--- a/Server-Client/Apresentacao.pptx
+++ b/Server-Client/Apresentacao.pptx
@@ -7,9 +7,7 @@
   <p:sldIdLst>
     <p:sldId id="256" r:id="rId2"/>
     <p:sldId id="257" r:id="rId3"/>
-    <p:sldId id="258" r:id="rId4"/>
-    <p:sldId id="259" r:id="rId5"/>
-    <p:sldId id="260" r:id="rId6"/>
+    <p:sldId id="259" r:id="rId4"/>
   </p:sldIdLst>
   <p:sldSz cx="9144000" cy="5143500" type="screen16x9"/>
   <p:notesSz cx="9144000" cy="5143500"/>
@@ -1555,38 +1553,50 @@
       </p:grpSpPr>
       <p:sp>
         <p:nvSpPr>
-          <p:cNvPr id="2" name="object 2"/>
-          <p:cNvSpPr txBox="1">
-            <a:spLocks noGrp="1"/>
-          </p:cNvSpPr>
-          <p:nvPr>
-            <p:ph type="title"/>
-          </p:nvPr>
+          <p:cNvPr id="3" name="object 3">
+            <a:extLst>
+              <a:ext uri="{FF2B5EF4-FFF2-40B4-BE49-F238E27FC236}">
+                <a16:creationId xmlns:a16="http://schemas.microsoft.com/office/drawing/2014/main" id="{DEBD5760-D22A-C333-804E-495521564337}"/>
+              </a:ext>
+            </a:extLst>
+          </p:cNvPr>
+          <p:cNvSpPr txBox="1"/>
+          <p:nvPr/>
         </p:nvSpPr>
         <p:spPr>
           <a:xfrm>
-            <a:off x="1214110" y="715083"/>
-            <a:ext cx="6715759" cy="572785"/>
+            <a:off x="609917" y="666750"/>
+            <a:ext cx="7924165" cy="596317"/>
           </a:xfrm>
           <a:prstGeom prst="rect">
             <a:avLst/>
           </a:prstGeom>
         </p:spPr>
         <p:txBody>
-          <a:bodyPr vert="horz" wrap="square" lIns="0" tIns="201485" rIns="0" bIns="0" rtlCol="0">
+          <a:bodyPr vert="horz" wrap="square" lIns="0" tIns="102870" rIns="0" bIns="0" rtlCol="0">
             <a:spAutoFit/>
           </a:bodyPr>
           <a:lstStyle/>
           <a:p>
-            <a:pPr marL="2439670">
+            <a:pPr marL="635" algn="ctr">
               <a:lnSpc>
                 <a:spcPct val="100000"/>
               </a:lnSpc>
               <a:spcBef>
-                <a:spcPts val="100"/>
+                <a:spcPts val="810"/>
               </a:spcBef>
             </a:pPr>
-            <a:endParaRPr spc="-10" dirty="0"/>
+            <a:r>
+              <a:rPr lang="pt-BR" sz="3200" dirty="0">
+                <a:latin typeface="Arial"/>
+                <a:cs typeface="Arial"/>
+              </a:rPr>
+              <a:t>Arquitetura</a:t>
+            </a:r>
+            <a:endParaRPr sz="3000" dirty="0">
+              <a:latin typeface="Arial"/>
+              <a:cs typeface="Arial"/>
+            </a:endParaRPr>
           </a:p>
         </p:txBody>
       </p:sp>
@@ -1617,100 +1627,50 @@
       </p:grpSpPr>
       <p:sp>
         <p:nvSpPr>
-          <p:cNvPr id="2" name="object 2"/>
-          <p:cNvSpPr txBox="1">
-            <a:spLocks noGrp="1"/>
-          </p:cNvSpPr>
-          <p:nvPr>
-            <p:ph type="title"/>
-          </p:nvPr>
+          <p:cNvPr id="3" name="object 3">
+            <a:extLst>
+              <a:ext uri="{FF2B5EF4-FFF2-40B4-BE49-F238E27FC236}">
+                <a16:creationId xmlns:a16="http://schemas.microsoft.com/office/drawing/2014/main" id="{6139AE42-9746-6925-A92C-D7BEC34C91A0}"/>
+              </a:ext>
+            </a:extLst>
+          </p:cNvPr>
+          <p:cNvSpPr txBox="1"/>
+          <p:nvPr/>
         </p:nvSpPr>
         <p:spPr>
           <a:xfrm>
-            <a:off x="1214110" y="715083"/>
-            <a:ext cx="6715759" cy="613950"/>
+            <a:off x="609917" y="666750"/>
+            <a:ext cx="7924165" cy="596317"/>
           </a:xfrm>
           <a:prstGeom prst="rect">
             <a:avLst/>
           </a:prstGeom>
         </p:spPr>
         <p:txBody>
-          <a:bodyPr vert="horz" wrap="square" lIns="0" tIns="150812" rIns="0" bIns="0" rtlCol="0">
+          <a:bodyPr vert="horz" wrap="square" lIns="0" tIns="102870" rIns="0" bIns="0" rtlCol="0">
             <a:spAutoFit/>
           </a:bodyPr>
           <a:lstStyle/>
           <a:p>
-            <a:pPr marL="1997710">
+            <a:pPr marL="635" algn="ctr">
               <a:lnSpc>
                 <a:spcPct val="100000"/>
               </a:lnSpc>
               <a:spcBef>
-                <a:spcPts val="100"/>
+                <a:spcPts val="810"/>
               </a:spcBef>
             </a:pPr>
-            <a:endParaRPr sz="3000" dirty="0"/>
-          </a:p>
-        </p:txBody>
-      </p:sp>
-    </p:spTree>
-  </p:cSld>
-  <p:clrMapOvr>
-    <a:masterClrMapping/>
-  </p:clrMapOvr>
-</p:sld>
-</file>
-
-<file path=ppt/slides/slide4.xml><?xml version="1.0" encoding="utf-8"?>
-<p:sld xmlns:a="http://schemas.openxmlformats.org/drawingml/2006/main" xmlns:r="http://schemas.openxmlformats.org/officeDocument/2006/relationships" xmlns:p="http://schemas.openxmlformats.org/presentationml/2006/main">
-  <p:cSld>
-    <p:spTree>
-      <p:nvGrpSpPr>
-        <p:cNvPr id="1" name=""/>
-        <p:cNvGrpSpPr/>
-        <p:nvPr/>
-      </p:nvGrpSpPr>
-      <p:grpSpPr>
-        <a:xfrm>
-          <a:off x="0" y="0"/>
-          <a:ext cx="0" cy="0"/>
-          <a:chOff x="0" y="0"/>
-          <a:chExt cx="0" cy="0"/>
-        </a:xfrm>
-      </p:grpSpPr>
-      <p:sp>
-        <p:nvSpPr>
-          <p:cNvPr id="2" name="object 2"/>
-          <p:cNvSpPr txBox="1">
-            <a:spLocks noGrp="1"/>
-          </p:cNvSpPr>
-          <p:nvPr>
-            <p:ph type="title"/>
-          </p:nvPr>
-        </p:nvSpPr>
-        <p:spPr>
-          <a:xfrm>
-            <a:off x="1214110" y="715083"/>
-            <a:ext cx="6715759" cy="572785"/>
-          </a:xfrm>
-          <a:prstGeom prst="rect">
-            <a:avLst/>
-          </a:prstGeom>
-        </p:spPr>
-        <p:txBody>
-          <a:bodyPr vert="horz" wrap="square" lIns="0" tIns="201485" rIns="0" bIns="0" rtlCol="0">
-            <a:spAutoFit/>
-          </a:bodyPr>
-          <a:lstStyle/>
-          <a:p>
-            <a:pPr marL="2439670">
-              <a:lnSpc>
-                <a:spcPct val="100000"/>
-              </a:lnSpc>
-              <a:spcBef>
-                <a:spcPts val="100"/>
-              </a:spcBef>
-            </a:pPr>
-            <a:endParaRPr spc="-10" dirty="0"/>
+            <a:r>
+              <a:rPr lang="pt-BR" sz="3200" dirty="0">
+                <a:latin typeface="Arial"/>
+                <a:cs typeface="Arial"/>
+              </a:rPr>
+              <a:t>Desempenho </a:t>
+            </a:r>
+            <a:endParaRPr sz="3000" dirty="0">
+              <a:latin typeface="Arial"/>
+              <a:cs typeface="Arial"/>
+            </a:endParaRPr>
           </a:p>
         </p:txBody>
       </p:sp>
@@ -1718,73 +1678,6 @@
     <p:extLst>
       <p:ext uri="{BB962C8B-B14F-4D97-AF65-F5344CB8AC3E}">
         <p14:creationId xmlns:p14="http://schemas.microsoft.com/office/powerpoint/2010/main" val="1174047435"/>
-      </p:ext>
-    </p:extLst>
-  </p:cSld>
-  <p:clrMapOvr>
-    <a:masterClrMapping/>
-  </p:clrMapOvr>
-</p:sld>
-</file>
-
-<file path=ppt/slides/slide5.xml><?xml version="1.0" encoding="utf-8"?>
-<p:sld xmlns:a="http://schemas.openxmlformats.org/drawingml/2006/main" xmlns:r="http://schemas.openxmlformats.org/officeDocument/2006/relationships" xmlns:p="http://schemas.openxmlformats.org/presentationml/2006/main">
-  <p:cSld>
-    <p:spTree>
-      <p:nvGrpSpPr>
-        <p:cNvPr id="1" name=""/>
-        <p:cNvGrpSpPr/>
-        <p:nvPr/>
-      </p:nvGrpSpPr>
-      <p:grpSpPr>
-        <a:xfrm>
-          <a:off x="0" y="0"/>
-          <a:ext cx="0" cy="0"/>
-          <a:chOff x="0" y="0"/>
-          <a:chExt cx="0" cy="0"/>
-        </a:xfrm>
-      </p:grpSpPr>
-      <p:sp>
-        <p:nvSpPr>
-          <p:cNvPr id="2" name="object 2"/>
-          <p:cNvSpPr txBox="1">
-            <a:spLocks noGrp="1"/>
-          </p:cNvSpPr>
-          <p:nvPr>
-            <p:ph type="title"/>
-          </p:nvPr>
-        </p:nvSpPr>
-        <p:spPr>
-          <a:xfrm>
-            <a:off x="1214110" y="715083"/>
-            <a:ext cx="6715759" cy="572785"/>
-          </a:xfrm>
-          <a:prstGeom prst="rect">
-            <a:avLst/>
-          </a:prstGeom>
-        </p:spPr>
-        <p:txBody>
-          <a:bodyPr vert="horz" wrap="square" lIns="0" tIns="201485" rIns="0" bIns="0" rtlCol="0">
-            <a:spAutoFit/>
-          </a:bodyPr>
-          <a:lstStyle/>
-          <a:p>
-            <a:pPr marL="2439670">
-              <a:lnSpc>
-                <a:spcPct val="100000"/>
-              </a:lnSpc>
-              <a:spcBef>
-                <a:spcPts val="100"/>
-              </a:spcBef>
-            </a:pPr>
-            <a:endParaRPr spc="-10" dirty="0"/>
-          </a:p>
-        </p:txBody>
-      </p:sp>
-    </p:spTree>
-    <p:extLst>
-      <p:ext uri="{BB962C8B-B14F-4D97-AF65-F5344CB8AC3E}">
-        <p14:creationId xmlns:p14="http://schemas.microsoft.com/office/powerpoint/2010/main" val="2270881866"/>
       </p:ext>
     </p:extLst>
   </p:cSld>

--- a/Server-Client/Apresentacao.pptx
+++ b/Server-Client/Apresentacao.pptx
@@ -7,7 +7,8 @@
   <p:sldIdLst>
     <p:sldId id="256" r:id="rId2"/>
     <p:sldId id="257" r:id="rId3"/>
-    <p:sldId id="259" r:id="rId4"/>
+    <p:sldId id="260" r:id="rId4"/>
+    <p:sldId id="259" r:id="rId5"/>
   </p:sldIdLst>
   <p:sldSz cx="9144000" cy="5143500" type="screen16x9"/>
   <p:notesSz cx="9144000" cy="5143500"/>
@@ -1591,7 +1592,7 @@
                 <a:latin typeface="Arial"/>
                 <a:cs typeface="Arial"/>
               </a:rPr>
-              <a:t>Arquitetura</a:t>
+              <a:t>Cliente</a:t>
             </a:r>
             <a:endParaRPr sz="3000" dirty="0">
               <a:latin typeface="Arial"/>
@@ -1600,6 +1601,36 @@
           </a:p>
         </p:txBody>
       </p:sp>
+      <p:pic>
+        <p:nvPicPr>
+          <p:cNvPr id="4" name="Imagem 3">
+            <a:extLst>
+              <a:ext uri="{FF2B5EF4-FFF2-40B4-BE49-F238E27FC236}">
+                <a16:creationId xmlns:a16="http://schemas.microsoft.com/office/drawing/2014/main" id="{FEBF05B8-0F44-2CA2-1B1E-B6630DB74A26}"/>
+              </a:ext>
+            </a:extLst>
+          </p:cNvPr>
+          <p:cNvPicPr>
+            <a:picLocks noChangeAspect="1"/>
+          </p:cNvPicPr>
+          <p:nvPr/>
+        </p:nvPicPr>
+        <p:blipFill>
+          <a:blip r:embed="rId2"/>
+          <a:stretch>
+            <a:fillRect/>
+          </a:stretch>
+        </p:blipFill>
+        <p:spPr>
+          <a:xfrm>
+            <a:off x="2938308" y="1238993"/>
+            <a:ext cx="3267383" cy="3444189"/>
+          </a:xfrm>
+          <a:prstGeom prst="rect">
+            <a:avLst/>
+          </a:prstGeom>
+        </p:spPr>
+      </p:pic>
     </p:spTree>
   </p:cSld>
   <p:clrMapOvr>
@@ -1609,6 +1640,125 @@
 </file>
 
 <file path=ppt/slides/slide3.xml><?xml version="1.0" encoding="utf-8"?>
+<p:sld xmlns:a="http://schemas.openxmlformats.org/drawingml/2006/main" xmlns:r="http://schemas.openxmlformats.org/officeDocument/2006/relationships" xmlns:p="http://schemas.openxmlformats.org/presentationml/2006/main">
+  <p:cSld>
+    <p:spTree>
+      <p:nvGrpSpPr>
+        <p:cNvPr id="1" name=""/>
+        <p:cNvGrpSpPr/>
+        <p:nvPr/>
+      </p:nvGrpSpPr>
+      <p:grpSpPr>
+        <a:xfrm>
+          <a:off x="0" y="0"/>
+          <a:ext cx="0" cy="0"/>
+          <a:chOff x="0" y="0"/>
+          <a:chExt cx="0" cy="0"/>
+        </a:xfrm>
+      </p:grpSpPr>
+      <p:sp>
+        <p:nvSpPr>
+          <p:cNvPr id="2" name="Título 1">
+            <a:extLst>
+              <a:ext uri="{FF2B5EF4-FFF2-40B4-BE49-F238E27FC236}">
+                <a16:creationId xmlns:a16="http://schemas.microsoft.com/office/drawing/2014/main" id="{327C62AB-DB9F-9EA0-2A1B-8D23A97C7FB7}"/>
+              </a:ext>
+            </a:extLst>
+          </p:cNvPr>
+          <p:cNvSpPr>
+            <a:spLocks noGrp="1"/>
+          </p:cNvSpPr>
+          <p:nvPr>
+            <p:ph type="title"/>
+          </p:nvPr>
+        </p:nvSpPr>
+        <p:spPr>
+          <a:xfrm>
+            <a:off x="1214119" y="519129"/>
+            <a:ext cx="6715759" cy="369332"/>
+          </a:xfrm>
+        </p:spPr>
+        <p:txBody>
+          <a:bodyPr/>
+          <a:lstStyle/>
+          <a:p>
+            <a:pPr algn="ctr"/>
+            <a:r>
+              <a:rPr lang="pt-BR" dirty="0"/>
+              <a:t>Servidor</a:t>
+            </a:r>
+          </a:p>
+        </p:txBody>
+      </p:sp>
+      <p:sp>
+        <p:nvSpPr>
+          <p:cNvPr id="3" name="Espaço Reservado para Texto 2">
+            <a:extLst>
+              <a:ext uri="{FF2B5EF4-FFF2-40B4-BE49-F238E27FC236}">
+                <a16:creationId xmlns:a16="http://schemas.microsoft.com/office/drawing/2014/main" id="{5A9CF598-6C90-001C-3FF9-64F55190D56E}"/>
+              </a:ext>
+            </a:extLst>
+          </p:cNvPr>
+          <p:cNvSpPr>
+            <a:spLocks noGrp="1"/>
+          </p:cNvSpPr>
+          <p:nvPr>
+            <p:ph type="body" idx="1"/>
+          </p:nvPr>
+        </p:nvSpPr>
+        <p:spPr/>
+        <p:txBody>
+          <a:bodyPr/>
+          <a:lstStyle/>
+          <a:p>
+            <a:endParaRPr lang="pt-BR"/>
+          </a:p>
+        </p:txBody>
+      </p:sp>
+      <p:pic>
+        <p:nvPicPr>
+          <p:cNvPr id="5" name="Imagem 4">
+            <a:extLst>
+              <a:ext uri="{FF2B5EF4-FFF2-40B4-BE49-F238E27FC236}">
+                <a16:creationId xmlns:a16="http://schemas.microsoft.com/office/drawing/2014/main" id="{D0BF83BE-987E-6D91-28AD-006F51AEFE76}"/>
+              </a:ext>
+            </a:extLst>
+          </p:cNvPr>
+          <p:cNvPicPr>
+            <a:picLocks noChangeAspect="1"/>
+          </p:cNvPicPr>
+          <p:nvPr/>
+        </p:nvPicPr>
+        <p:blipFill>
+          <a:blip r:embed="rId2"/>
+          <a:stretch>
+            <a:fillRect/>
+          </a:stretch>
+        </p:blipFill>
+        <p:spPr>
+          <a:xfrm>
+            <a:off x="2471168" y="888461"/>
+            <a:ext cx="4201663" cy="3815529"/>
+          </a:xfrm>
+          <a:prstGeom prst="rect">
+            <a:avLst/>
+          </a:prstGeom>
+        </p:spPr>
+      </p:pic>
+    </p:spTree>
+    <p:extLst>
+      <p:ext uri="{BB962C8B-B14F-4D97-AF65-F5344CB8AC3E}">
+        <p14:creationId xmlns:p14="http://schemas.microsoft.com/office/powerpoint/2010/main" val="1864905215"/>
+      </p:ext>
+    </p:extLst>
+  </p:cSld>
+  <p:clrMapOvr>
+    <a:masterClrMapping/>
+  </p:clrMapOvr>
+</p:sld>
+</file>
+
+<file path=ppt/slides/slide4.xml><?xml version="1.0" encoding="utf-8"?>
 <p:sld xmlns:a="http://schemas.openxmlformats.org/drawingml/2006/main" xmlns:r="http://schemas.openxmlformats.org/officeDocument/2006/relationships" xmlns:p="http://schemas.openxmlformats.org/presentationml/2006/main">
   <p:cSld>
     <p:spTree>
